--- a/topic04/talk-2/BigData2015.pptx
+++ b/topic04/talk-2/BigData2015.pptx
@@ -158,7 +158,7 @@
   </p:defaultTextStyle>
   <p:extLst>
     <p:ext uri="{EFAFB233-063F-42B5-8137-9DF3F51BA10A}">
-      <p15:sldGuideLst xmlns:p15="http://schemas.microsoft.com/office/powerpoint/2012/main" xmlns="">
+      <p15:sldGuideLst xmlns:p15="http://schemas.microsoft.com/office/powerpoint/2012/main">
         <p15:guide id="1" orient="horz" pos="2160">
           <p15:clr>
             <a:srgbClr val="A4A3A4"/>
@@ -172,7 +172,7 @@
       </p15:sldGuideLst>
     </p:ext>
     <p:ext uri="{2D200454-40CA-4A62-9FC3-DE9A4176ACB9}">
-      <p15:notesGuideLst xmlns:p15="http://schemas.microsoft.com/office/powerpoint/2012/main" xmlns="">
+      <p15:notesGuideLst xmlns:p15="http://schemas.microsoft.com/office/powerpoint/2012/main">
         <p15:guide id="1" orient="horz" pos="2880">
           <p15:clr>
             <a:srgbClr val="A4A3A4"/>
@@ -1386,7 +1386,7 @@
             <a:fld id="{216C5678-EE20-4FA5-88E2-6E0BD67A2E26}" type="datetime1">
               <a:rPr lang="en-US" smtClean="0"/>
               <a:pPr/>
-              <a:t>2/25/2016</a:t>
+              <a:t>2/29/2016</a:t>
             </a:fld>
             <a:endParaRPr lang="en-US" dirty="0"/>
           </a:p>
@@ -1557,7 +1557,7 @@
             <a:fld id="{EA051B39-B140-43FE-96DB-472A2B59CE7C}" type="datetime1">
               <a:rPr lang="en-US" smtClean="0"/>
               <a:pPr/>
-              <a:t>2/25/2016</a:t>
+              <a:t>2/29/2016</a:t>
             </a:fld>
             <a:endParaRPr lang="en-US"/>
           </a:p>
@@ -1738,7 +1738,7 @@
             <a:fld id="{DA600BB2-27C5-458B-ABCE-839C88CF47CE}" type="datetime1">
               <a:rPr lang="en-US" smtClean="0"/>
               <a:pPr/>
-              <a:t>2/25/2016</a:t>
+              <a:t>2/29/2016</a:t>
             </a:fld>
             <a:endParaRPr lang="en-US"/>
           </a:p>
@@ -1909,7 +1909,7 @@
             <a:fld id="{B11D738E-8962-435F-8C43-147B8DD7E819}" type="datetime1">
               <a:rPr lang="en-US" smtClean="0"/>
               <a:pPr/>
-              <a:t>2/25/2016</a:t>
+              <a:t>2/29/2016</a:t>
             </a:fld>
             <a:endParaRPr lang="en-US"/>
           </a:p>
@@ -2156,7 +2156,7 @@
             <a:fld id="{09CAEA93-55E7-4DA9-90C2-089A26EEFEC4}" type="datetime1">
               <a:rPr lang="en-US" smtClean="0"/>
               <a:pPr/>
-              <a:t>2/25/2016</a:t>
+              <a:t>2/29/2016</a:t>
             </a:fld>
             <a:endParaRPr lang="en-US"/>
           </a:p>
@@ -2445,7 +2445,7 @@
             <a:fld id="{E34CF3C7-6809-4F39-BD67-A75817BDDE0A}" type="datetime1">
               <a:rPr lang="en-US" smtClean="0"/>
               <a:pPr/>
-              <a:t>2/25/2016</a:t>
+              <a:t>2/29/2016</a:t>
             </a:fld>
             <a:endParaRPr lang="en-US"/>
           </a:p>
@@ -2880,7 +2880,7 @@
             <a:fld id="{F7EAEB24-CE78-465C-A726-91D0868FA48F}" type="datetime1">
               <a:rPr lang="en-US" smtClean="0"/>
               <a:pPr/>
-              <a:t>2/25/2016</a:t>
+              <a:t>2/29/2016</a:t>
             </a:fld>
             <a:endParaRPr lang="en-US"/>
           </a:p>
@@ -2999,7 +2999,7 @@
             <a:fld id="{40BAADF0-1749-4E8B-9691-B44A5F8C0895}" type="datetime1">
               <a:rPr lang="en-US" smtClean="0"/>
               <a:pPr/>
-              <a:t>2/25/2016</a:t>
+              <a:t>2/29/2016</a:t>
             </a:fld>
             <a:endParaRPr lang="en-US"/>
           </a:p>
@@ -3095,7 +3095,7 @@
             <a:fld id="{A8AF628A-A867-4937-BBE5-207DB6F9C51A}" type="datetime1">
               <a:rPr lang="en-US" smtClean="0"/>
               <a:pPr/>
-              <a:t>2/25/2016</a:t>
+              <a:t>2/29/2016</a:t>
             </a:fld>
             <a:endParaRPr lang="en-US"/>
           </a:p>
@@ -3290,7 +3290,7 @@
             <a:fld id="{118BBB94-68E6-4675-A946-F1C5994EDBD7}" type="datetime1">
               <a:rPr lang="en-US" smtClean="0"/>
               <a:pPr/>
-              <a:t>2/25/2016</a:t>
+              <a:t>2/29/2016</a:t>
             </a:fld>
             <a:endParaRPr lang="en-US"/>
           </a:p>
@@ -3614,7 +3614,7 @@
             <a:fld id="{DC3B8377-21E3-4835-B75D-4E2847E2750F}" type="datetime1">
               <a:rPr lang="en-US" smtClean="0"/>
               <a:pPr/>
-              <a:t>2/25/2016</a:t>
+              <a:t>2/29/2016</a:t>
             </a:fld>
             <a:endParaRPr lang="en-US"/>
           </a:p>
@@ -4004,7 +4004,7 @@
             <a:fld id="{B0C4986D-6BE9-4264-908F-02DB36FD8D6C}" type="datetime1">
               <a:rPr lang="en-US" smtClean="0"/>
               <a:pPr/>
-              <a:t>2/25/2016</a:t>
+              <a:t>2/29/2016</a:t>
             </a:fld>
             <a:endParaRPr lang="en-US" dirty="0"/>
           </a:p>
@@ -5159,8 +5159,8 @@
               <a:t>Example tasks: indexing the Web for </a:t>
             </a:r>
             <a:r>
-              <a:rPr lang="en-US" sz="2800" dirty="0" err="1" smtClean="0"/>
-              <a:t>seearch</a:t>
+              <a:rPr lang="en-US" sz="2800" dirty="0" smtClean="0"/>
+              <a:t>search</a:t>
             </a:r>
             <a:r>
               <a:rPr lang="en-US" sz="2800" dirty="0" smtClean="0"/>
@@ -6447,6 +6447,13 @@
   <p:clrMapOvr>
     <a:masterClrMapping/>
   </p:clrMapOvr>
+  <p:timing>
+    <p:tnLst>
+      <p:par>
+        <p:cTn id="1" dur="indefinite" restart="never" nodeType="tmRoot"/>
+      </p:par>
+    </p:tnLst>
+  </p:timing>
 </p:sld>
 </file>
 
